--- a/docs/PS Promotion and Deployment Tool Training - v2.0.pptx
+++ b/docs/PS Promotion and Deployment Tool Training - v2.0.pptx
@@ -5,18 +5,19 @@
     <p:sldMasterId id="2147483732" r:id="rId1"/>
   </p:sldMasterIdLst>
   <p:notesMasterIdLst>
-    <p:notesMasterId r:id="rId8"/>
+    <p:notesMasterId r:id="rId9"/>
   </p:notesMasterIdLst>
   <p:handoutMasterIdLst>
-    <p:handoutMasterId r:id="rId9"/>
+    <p:handoutMasterId r:id="rId10"/>
   </p:handoutMasterIdLst>
   <p:sldIdLst>
     <p:sldId id="465" r:id="rId2"/>
     <p:sldId id="466" r:id="rId3"/>
-    <p:sldId id="467" r:id="rId4"/>
-    <p:sldId id="462" r:id="rId5"/>
-    <p:sldId id="463" r:id="rId6"/>
-    <p:sldId id="464" r:id="rId7"/>
+    <p:sldId id="471" r:id="rId4"/>
+    <p:sldId id="467" r:id="rId5"/>
+    <p:sldId id="462" r:id="rId6"/>
+    <p:sldId id="463" r:id="rId7"/>
+    <p:sldId id="464" r:id="rId8"/>
   </p:sldIdLst>
   <p:sldSz cx="9144000" cy="6858000" type="screen4x3"/>
   <p:notesSz cx="6858000" cy="9144000"/>
@@ -200,7 +201,7 @@
           <a:p>
             <a:fld id="{8C67059E-F096-41EF-873D-C843676AB311}" type="datetimeFigureOut">
               <a:rPr lang="en-US" smtClean="0"/>
-              <a:t>9/3/2013</a:t>
+              <a:t>7/12/2014</a:t>
             </a:fld>
             <a:endParaRPr lang="en-US"/>
           </a:p>
@@ -365,7 +366,7 @@
           <a:p>
             <a:fld id="{9C2AF75A-F07E-4A91-AA44-AA4642E3BA4A}" type="datetimeFigureOut">
               <a:rPr lang="en-US" smtClean="0"/>
-              <a:t>9/3/2013</a:t>
+              <a:t>7/12/2014</a:t>
             </a:fld>
             <a:endParaRPr lang="en-US"/>
           </a:p>
@@ -815,7 +816,7 @@
         <p:nvSpPr>
           <p:cNvPr id="17411" name="Rectangle 2"/>
           <p:cNvSpPr>
-            <a:spLocks noRot="1" noChangeArrowheads="1" noTextEdit="1"/>
+            <a:spLocks noGrp="1" noRot="1" noChangeAspect="1" noChangeArrowheads="1" noTextEdit="1"/>
           </p:cNvSpPr>
           <p:nvPr>
             <p:ph type="sldImg"/>
@@ -898,7 +899,7 @@
         <p:nvSpPr>
           <p:cNvPr id="18434" name="Rectangle 2"/>
           <p:cNvSpPr>
-            <a:spLocks noRot="1" noChangeArrowheads="1" noTextEdit="1"/>
+            <a:spLocks noGrp="1" noRot="1" noChangeAspect="1" noChangeArrowheads="1" noTextEdit="1"/>
           </p:cNvSpPr>
           <p:nvPr>
             <p:ph type="sldImg"/>
@@ -1127,7 +1128,7 @@
                 </a:solidFill>
               </a:rPr>
               <a:pPr eaLnBrk="1" hangingPunct="1"/>
-              <a:t>3</a:t>
+              <a:t>4</a:t>
             </a:fld>
             <a:endParaRPr lang="en-US" sz="1200" smtClean="0">
               <a:solidFill>
@@ -1141,7 +1142,7 @@
         <p:nvSpPr>
           <p:cNvPr id="19459" name="Rectangle 2"/>
           <p:cNvSpPr>
-            <a:spLocks noRot="1" noChangeArrowheads="1" noTextEdit="1"/>
+            <a:spLocks noGrp="1" noRot="1" noChangeAspect="1" noChangeArrowheads="1" noTextEdit="1"/>
           </p:cNvSpPr>
           <p:nvPr>
             <p:ph type="sldImg"/>
@@ -1271,7 +1272,7 @@
           <a:p>
             <a:fld id="{16B2E989-731B-46F0-8385-7261A905DCAB}" type="slidenum">
               <a:rPr lang="en-US" smtClean="0"/>
-              <a:t>4</a:t>
+              <a:t>5</a:t>
             </a:fld>
             <a:endParaRPr lang="en-US"/>
           </a:p>
@@ -1355,7 +1356,7 @@
           <a:p>
             <a:fld id="{16B2E989-731B-46F0-8385-7261A905DCAB}" type="slidenum">
               <a:rPr lang="en-US" smtClean="0"/>
-              <a:t>5</a:t>
+              <a:t>6</a:t>
             </a:fld>
             <a:endParaRPr lang="en-US"/>
           </a:p>
@@ -1440,7 +1441,7 @@
             <a:fld id="{FD36A5C4-0F78-4D52-868B-AF400E794F3A}" type="slidenum">
               <a:rPr lang="en-US" smtClean="0"/>
               <a:pPr/>
-              <a:t>6</a:t>
+              <a:t>7</a:t>
             </a:fld>
             <a:endParaRPr lang="en-US"/>
           </a:p>
@@ -4702,11 +4703,14 @@
           <a:lstStyle/>
           <a:p>
             <a:r>
-              <a:rPr lang="en-US" sz="2800" smtClean="0">
+              <a:rPr lang="en-US" sz="2800" dirty="0" smtClean="0">
                 <a:ea typeface="ＭＳ Ｐゴシック" pitchFamily="34" charset="-128"/>
               </a:rPr>
-              <a:t>Under construction</a:t>
-            </a:r>
+              <a:t>x</a:t>
+            </a:r>
+            <a:endParaRPr lang="en-US" sz="2800" dirty="0" smtClean="0">
+              <a:ea typeface="ＭＳ Ｐゴシック" pitchFamily="34" charset="-128"/>
+            </a:endParaRPr>
           </a:p>
         </p:txBody>
       </p:sp>
@@ -4749,6 +4753,82 @@
       </p:grpSpPr>
       <p:sp>
         <p:nvSpPr>
+          <p:cNvPr id="6" name="Title 5"/>
+          <p:cNvSpPr>
+            <a:spLocks noGrp="1"/>
+          </p:cNvSpPr>
+          <p:nvPr>
+            <p:ph type="title"/>
+          </p:nvPr>
+        </p:nvSpPr>
+        <p:spPr/>
+        <p:txBody>
+          <a:bodyPr/>
+          <a:lstStyle/>
+          <a:p>
+            <a:r>
+              <a:rPr lang="en-US" dirty="0" err="1" smtClean="0"/>
+              <a:t>PDTool</a:t>
+            </a:r>
+            <a:endParaRPr lang="en-US" dirty="0"/>
+          </a:p>
+        </p:txBody>
+      </p:sp>
+      <p:sp>
+        <p:nvSpPr>
+          <p:cNvPr id="7" name="Text Placeholder 6"/>
+          <p:cNvSpPr>
+            <a:spLocks noGrp="1"/>
+          </p:cNvSpPr>
+          <p:nvPr>
+            <p:ph type="body" sz="half" idx="2"/>
+          </p:nvPr>
+        </p:nvSpPr>
+        <p:spPr/>
+        <p:txBody>
+          <a:bodyPr/>
+          <a:lstStyle/>
+          <a:p>
+            <a:r>
+              <a:rPr lang="en-US" dirty="0" smtClean="0"/>
+              <a:t>Topic</a:t>
+            </a:r>
+            <a:endParaRPr lang="en-US" dirty="0"/>
+          </a:p>
+        </p:txBody>
+      </p:sp>
+    </p:spTree>
+    <p:extLst>
+      <p:ext uri="{BB962C8B-B14F-4D97-AF65-F5344CB8AC3E}">
+        <p14:creationId xmlns:p14="http://schemas.microsoft.com/office/powerpoint/2010/main" val="3397562377"/>
+      </p:ext>
+    </p:extLst>
+  </p:cSld>
+  <p:clrMapOvr>
+    <a:masterClrMapping/>
+  </p:clrMapOvr>
+</p:sld>
+</file>
+
+<file path=ppt/slides/slide4.xml><?xml version="1.0" encoding="utf-8"?>
+<p:sld xmlns:a="http://schemas.openxmlformats.org/drawingml/2006/main" xmlns:r="http://schemas.openxmlformats.org/officeDocument/2006/relationships" xmlns:p="http://schemas.openxmlformats.org/presentationml/2006/main">
+  <p:cSld>
+    <p:spTree>
+      <p:nvGrpSpPr>
+        <p:cNvPr id="1" name=""/>
+        <p:cNvGrpSpPr/>
+        <p:nvPr/>
+      </p:nvGrpSpPr>
+      <p:grpSpPr>
+        <a:xfrm>
+          <a:off x="0" y="0"/>
+          <a:ext cx="0" cy="0"/>
+          <a:chOff x="0" y="0"/>
+          <a:chExt cx="0" cy="0"/>
+        </a:xfrm>
+      </p:grpSpPr>
+      <p:sp>
+        <p:nvSpPr>
           <p:cNvPr id="15362" name="Rectangle 2"/>
           <p:cNvSpPr>
             <a:spLocks noGrp="1" noChangeArrowheads="1"/>
@@ -4828,7 +4908,7 @@
 </p:sld>
 </file>
 
-<file path=ppt/slides/slide4.xml><?xml version="1.0" encoding="utf-8"?>
+<file path=ppt/slides/slide5.xml><?xml version="1.0" encoding="utf-8"?>
 <p:sld xmlns:a="http://schemas.openxmlformats.org/drawingml/2006/main" xmlns:r="http://schemas.openxmlformats.org/officeDocument/2006/relationships" xmlns:p="http://schemas.openxmlformats.org/presentationml/2006/main">
   <p:cSld>
     <p:spTree>
@@ -4865,7 +4945,7 @@
 </p:sld>
 </file>
 
-<file path=ppt/slides/slide5.xml><?xml version="1.0" encoding="utf-8"?>
+<file path=ppt/slides/slide6.xml><?xml version="1.0" encoding="utf-8"?>
 <p:sld xmlns:a="http://schemas.openxmlformats.org/drawingml/2006/main" xmlns:r="http://schemas.openxmlformats.org/officeDocument/2006/relationships" xmlns:p="http://schemas.openxmlformats.org/presentationml/2006/main">
   <p:cSld>
     <p:spTree>
@@ -5829,7 +5909,7 @@
 </p:sld>
 </file>
 
-<file path=ppt/slides/slide6.xml><?xml version="1.0" encoding="utf-8"?>
+<file path=ppt/slides/slide7.xml><?xml version="1.0" encoding="utf-8"?>
 <p:sld xmlns:a="http://schemas.openxmlformats.org/drawingml/2006/main" xmlns:r="http://schemas.openxmlformats.org/officeDocument/2006/relationships" xmlns:p="http://schemas.openxmlformats.org/presentationml/2006/main">
   <p:cSld>
     <p:spTree>
